--- a/中越詩歌/十字架_Gần thập tự.pptx
+++ b/中越詩歌/十字架_Gần thập tự.pptx
@@ -136,6 +136,11 @@
       </a:defRPr>
     </a:lvl9pPr>
   </p:defaultTextStyle>
+  <p:extLst>
+    <p:ext uri="{EFAFB233-063F-42B5-8137-9DF3F51BA10A}">
+      <p15:sldGuideLst xmlns:p15="http://schemas.microsoft.com/office/powerpoint/2012/main"/>
+    </p:ext>
+  </p:extLst>
 </p:presentation>
 </file>
 
@@ -320,7 +325,7 @@
           <a:p>
             <a:fld id="{7344AA72-64A3-45CF-96FC-1FBE478155EA}" type="datetimeFigureOut">
               <a:rPr lang="vi-VN" smtClean="0"/>
-              <a:t>01/04/2021</a:t>
+              <a:t>06/04/2023</a:t>
             </a:fld>
             <a:endParaRPr lang="vi-VN"/>
           </a:p>
@@ -490,7 +495,7 @@
           <a:p>
             <a:fld id="{7344AA72-64A3-45CF-96FC-1FBE478155EA}" type="datetimeFigureOut">
               <a:rPr lang="vi-VN" smtClean="0"/>
-              <a:t>01/04/2021</a:t>
+              <a:t>06/04/2023</a:t>
             </a:fld>
             <a:endParaRPr lang="vi-VN"/>
           </a:p>
@@ -670,7 +675,7 @@
           <a:p>
             <a:fld id="{7344AA72-64A3-45CF-96FC-1FBE478155EA}" type="datetimeFigureOut">
               <a:rPr lang="vi-VN" smtClean="0"/>
-              <a:t>01/04/2021</a:t>
+              <a:t>06/04/2023</a:t>
             </a:fld>
             <a:endParaRPr lang="vi-VN"/>
           </a:p>
@@ -840,7 +845,7 @@
           <a:p>
             <a:fld id="{7344AA72-64A3-45CF-96FC-1FBE478155EA}" type="datetimeFigureOut">
               <a:rPr lang="vi-VN" smtClean="0"/>
-              <a:t>01/04/2021</a:t>
+              <a:t>06/04/2023</a:t>
             </a:fld>
             <a:endParaRPr lang="vi-VN"/>
           </a:p>
@@ -1086,7 +1091,7 @@
           <a:p>
             <a:fld id="{7344AA72-64A3-45CF-96FC-1FBE478155EA}" type="datetimeFigureOut">
               <a:rPr lang="vi-VN" smtClean="0"/>
-              <a:t>01/04/2021</a:t>
+              <a:t>06/04/2023</a:t>
             </a:fld>
             <a:endParaRPr lang="vi-VN"/>
           </a:p>
@@ -1374,7 +1379,7 @@
           <a:p>
             <a:fld id="{7344AA72-64A3-45CF-96FC-1FBE478155EA}" type="datetimeFigureOut">
               <a:rPr lang="vi-VN" smtClean="0"/>
-              <a:t>01/04/2021</a:t>
+              <a:t>06/04/2023</a:t>
             </a:fld>
             <a:endParaRPr lang="vi-VN"/>
           </a:p>
@@ -1796,7 +1801,7 @@
           <a:p>
             <a:fld id="{7344AA72-64A3-45CF-96FC-1FBE478155EA}" type="datetimeFigureOut">
               <a:rPr lang="vi-VN" smtClean="0"/>
-              <a:t>01/04/2021</a:t>
+              <a:t>06/04/2023</a:t>
             </a:fld>
             <a:endParaRPr lang="vi-VN"/>
           </a:p>
@@ -1914,7 +1919,7 @@
           <a:p>
             <a:fld id="{7344AA72-64A3-45CF-96FC-1FBE478155EA}" type="datetimeFigureOut">
               <a:rPr lang="vi-VN" smtClean="0"/>
-              <a:t>01/04/2021</a:t>
+              <a:t>06/04/2023</a:t>
             </a:fld>
             <a:endParaRPr lang="vi-VN"/>
           </a:p>
@@ -2009,7 +2014,7 @@
           <a:p>
             <a:fld id="{7344AA72-64A3-45CF-96FC-1FBE478155EA}" type="datetimeFigureOut">
               <a:rPr lang="vi-VN" smtClean="0"/>
-              <a:t>01/04/2021</a:t>
+              <a:t>06/04/2023</a:t>
             </a:fld>
             <a:endParaRPr lang="vi-VN"/>
           </a:p>
@@ -2286,7 +2291,7 @@
           <a:p>
             <a:fld id="{7344AA72-64A3-45CF-96FC-1FBE478155EA}" type="datetimeFigureOut">
               <a:rPr lang="vi-VN" smtClean="0"/>
-              <a:t>01/04/2021</a:t>
+              <a:t>06/04/2023</a:t>
             </a:fld>
             <a:endParaRPr lang="vi-VN"/>
           </a:p>
@@ -2543,7 +2548,7 @@
           <a:p>
             <a:fld id="{7344AA72-64A3-45CF-96FC-1FBE478155EA}" type="datetimeFigureOut">
               <a:rPr lang="vi-VN" smtClean="0"/>
-              <a:t>01/04/2021</a:t>
+              <a:t>06/04/2023</a:t>
             </a:fld>
             <a:endParaRPr lang="vi-VN"/>
           </a:p>
@@ -2761,7 +2766,7 @@
           <a:p>
             <a:fld id="{7344AA72-64A3-45CF-96FC-1FBE478155EA}" type="datetimeFigureOut">
               <a:rPr lang="vi-VN" smtClean="0"/>
-              <a:t>01/04/2021</a:t>
+              <a:t>06/04/2023</a:t>
             </a:fld>
             <a:endParaRPr lang="vi-VN"/>
           </a:p>
@@ -3758,20 +3763,20 @@
               <a:t>( </a:t>
             </a:r>
             <a:r>
+              <a:rPr lang="en-US" sz="4267" b="1" dirty="0" smtClean="0">
+                <a:solidFill>
+                  <a:srgbClr val="000066"/>
+                </a:solidFill>
+              </a:rPr>
+              <a:t>2 </a:t>
+            </a:r>
+            <a:r>
               <a:rPr lang="en-US" sz="4267" b="1" dirty="0">
                 <a:solidFill>
                   <a:srgbClr val="000066"/>
                 </a:solidFill>
               </a:rPr>
-              <a:t>2 </a:t>
-            </a:r>
-            <a:r>
-              <a:rPr lang="en-US" sz="4267" b="1" dirty="0">
-                <a:solidFill>
-                  <a:srgbClr val="000066"/>
-                </a:solidFill>
-              </a:rPr>
-              <a:t>)</a:t>
+              <a:t>/ 4 )</a:t>
             </a:r>
             <a:endParaRPr lang="vi-VN" sz="4267" b="1" dirty="0">
               <a:solidFill>
@@ -4179,23 +4184,7 @@
                   <a:srgbClr val="000066"/>
                 </a:solidFill>
               </a:rPr>
-              <a:t>( </a:t>
-            </a:r>
-            <a:r>
-              <a:rPr lang="en-US" sz="4267" b="1" dirty="0">
-                <a:solidFill>
-                  <a:srgbClr val="000066"/>
-                </a:solidFill>
-              </a:rPr>
-              <a:t>2 </a:t>
-            </a:r>
-            <a:r>
-              <a:rPr lang="en-US" sz="4267" b="1" dirty="0">
-                <a:solidFill>
-                  <a:srgbClr val="000066"/>
-                </a:solidFill>
-              </a:rPr>
-              <a:t>)</a:t>
+              <a:t>( 2 / 4 )</a:t>
             </a:r>
             <a:endParaRPr lang="vi-VN" sz="4267" b="1" dirty="0">
               <a:solidFill>
@@ -4548,23 +4537,7 @@
                   <a:srgbClr val="000066"/>
                 </a:solidFill>
               </a:rPr>
-              <a:t>( </a:t>
-            </a:r>
-            <a:r>
-              <a:rPr lang="en-US" sz="4267" b="1" dirty="0">
-                <a:solidFill>
-                  <a:srgbClr val="000066"/>
-                </a:solidFill>
-              </a:rPr>
-              <a:t>2 </a:t>
-            </a:r>
-            <a:r>
-              <a:rPr lang="en-US" sz="4267" b="1" dirty="0">
-                <a:solidFill>
-                  <a:srgbClr val="000066"/>
-                </a:solidFill>
-              </a:rPr>
-              <a:t>)</a:t>
+              <a:t>( 2 / 4 )</a:t>
             </a:r>
             <a:endParaRPr lang="vi-VN" sz="4267" b="1" dirty="0">
               <a:solidFill>
@@ -4972,23 +4945,7 @@
                   <a:srgbClr val="000066"/>
                 </a:solidFill>
               </a:rPr>
-              <a:t>( </a:t>
-            </a:r>
-            <a:r>
-              <a:rPr lang="en-US" sz="4267" b="1" dirty="0">
-                <a:solidFill>
-                  <a:srgbClr val="000066"/>
-                </a:solidFill>
-              </a:rPr>
-              <a:t>2 </a:t>
-            </a:r>
-            <a:r>
-              <a:rPr lang="en-US" sz="4267" b="1" dirty="0">
-                <a:solidFill>
-                  <a:srgbClr val="000066"/>
-                </a:solidFill>
-              </a:rPr>
-              <a:t>)</a:t>
+              <a:t>( 2 / 4 )</a:t>
             </a:r>
             <a:endParaRPr lang="vi-VN" sz="4267" b="1" dirty="0">
               <a:solidFill>
@@ -6159,13 +6116,6 @@
               </a:rPr>
               <a:t>惟靠耶穌寶血</a:t>
             </a:r>
-            <a:endParaRPr lang="zh-TW" altLang="en-US" sz="6400" b="1" dirty="0">
-              <a:solidFill>
-                <a:srgbClr val="000066"/>
-              </a:solidFill>
-              <a:latin typeface="微軟正黑體" pitchFamily="34" charset="-120"/>
-              <a:ea typeface="微軟正黑體" pitchFamily="34" charset="-120"/>
-            </a:endParaRPr>
           </a:p>
         </p:txBody>
       </p:sp>
@@ -6873,20 +6823,20 @@
               <a:t>( </a:t>
             </a:r>
             <a:r>
+              <a:rPr lang="en-US" sz="4267" b="1" dirty="0" smtClean="0">
+                <a:solidFill>
+                  <a:srgbClr val="000066"/>
+                </a:solidFill>
+              </a:rPr>
+              <a:t>3 </a:t>
+            </a:r>
+            <a:r>
               <a:rPr lang="en-US" sz="4267" b="1" dirty="0">
                 <a:solidFill>
                   <a:srgbClr val="000066"/>
                 </a:solidFill>
               </a:rPr>
-              <a:t>3 </a:t>
-            </a:r>
-            <a:r>
-              <a:rPr lang="en-US" sz="4267" b="1" dirty="0">
-                <a:solidFill>
-                  <a:srgbClr val="000066"/>
-                </a:solidFill>
-              </a:rPr>
-              <a:t>)</a:t>
+              <a:t>/ 4 )</a:t>
             </a:r>
             <a:endParaRPr lang="vi-VN" sz="4267" b="1" dirty="0">
               <a:solidFill>
@@ -7294,23 +7244,7 @@
                   <a:srgbClr val="000066"/>
                 </a:solidFill>
               </a:rPr>
-              <a:t>( </a:t>
-            </a:r>
-            <a:r>
-              <a:rPr lang="en-US" sz="4267" b="1" dirty="0">
-                <a:solidFill>
-                  <a:srgbClr val="000066"/>
-                </a:solidFill>
-              </a:rPr>
-              <a:t>3 </a:t>
-            </a:r>
-            <a:r>
-              <a:rPr lang="en-US" sz="4267" b="1" dirty="0">
-                <a:solidFill>
-                  <a:srgbClr val="000066"/>
-                </a:solidFill>
-              </a:rPr>
-              <a:t>)</a:t>
+              <a:t>( 3 / 4 )</a:t>
             </a:r>
             <a:endParaRPr lang="vi-VN" sz="4267" b="1" dirty="0">
               <a:solidFill>
@@ -7383,17 +7317,7 @@
                 <a:latin typeface="微軟正黑體" pitchFamily="34" charset="-120"/>
                 <a:ea typeface="微軟正黑體" pitchFamily="34" charset="-120"/>
               </a:rPr>
-              <a:t>求</a:t>
-            </a:r>
-            <a:r>
-              <a:rPr lang="zh-TW" altLang="en-US" sz="6400" b="1" dirty="0">
-                <a:solidFill>
-                  <a:srgbClr val="000066"/>
-                </a:solidFill>
-                <a:latin typeface="微軟正黑體" pitchFamily="34" charset="-120"/>
-                <a:ea typeface="微軟正黑體" pitchFamily="34" charset="-120"/>
-              </a:rPr>
-              <a:t>主使我靠十架</a:t>
+              <a:t>求主使我靠十架</a:t>
             </a:r>
             <a:endParaRPr lang="en-US" altLang="zh-TW" sz="6400" b="1" dirty="0">
               <a:solidFill>
@@ -7750,7 +7674,15 @@
                   <a:srgbClr val="000066"/>
                 </a:solidFill>
               </a:rPr>
-              <a:t>( 1 )</a:t>
+              <a:t>( 1 </a:t>
+            </a:r>
+            <a:r>
+              <a:rPr lang="en-US" sz="4267" b="1" dirty="0" smtClean="0">
+                <a:solidFill>
+                  <a:srgbClr val="000066"/>
+                </a:solidFill>
+              </a:rPr>
+              <a:t>/ 4 )</a:t>
             </a:r>
             <a:endParaRPr lang="vi-VN" sz="4267" b="1" dirty="0">
               <a:solidFill>
@@ -8180,23 +8112,7 @@
                   <a:srgbClr val="000066"/>
                 </a:solidFill>
               </a:rPr>
-              <a:t>( </a:t>
-            </a:r>
-            <a:r>
-              <a:rPr lang="en-US" sz="4267" b="1" dirty="0">
-                <a:solidFill>
-                  <a:srgbClr val="000066"/>
-                </a:solidFill>
-              </a:rPr>
-              <a:t>3 </a:t>
-            </a:r>
-            <a:r>
-              <a:rPr lang="en-US" sz="4267" b="1" dirty="0">
-                <a:solidFill>
-                  <a:srgbClr val="000066"/>
-                </a:solidFill>
-              </a:rPr>
-              <a:t>)</a:t>
+              <a:t>( 3 / 4 )</a:t>
             </a:r>
             <a:endParaRPr lang="vi-VN" sz="4267" b="1" dirty="0">
               <a:solidFill>
@@ -8604,23 +8520,7 @@
                   <a:srgbClr val="000066"/>
                 </a:solidFill>
               </a:rPr>
-              <a:t>( </a:t>
-            </a:r>
-            <a:r>
-              <a:rPr lang="en-US" sz="4267" b="1" dirty="0">
-                <a:solidFill>
-                  <a:srgbClr val="000066"/>
-                </a:solidFill>
-              </a:rPr>
-              <a:t>3 </a:t>
-            </a:r>
-            <a:r>
-              <a:rPr lang="en-US" sz="4267" b="1" dirty="0">
-                <a:solidFill>
-                  <a:srgbClr val="000066"/>
-                </a:solidFill>
-              </a:rPr>
-              <a:t>)</a:t>
+              <a:t>( 3 / 4 )</a:t>
             </a:r>
             <a:endParaRPr lang="vi-VN" sz="4267" b="1" dirty="0">
               <a:solidFill>
@@ -9791,13 +9691,6 @@
               </a:rPr>
               <a:t>惟靠耶穌寶血</a:t>
             </a:r>
-            <a:endParaRPr lang="zh-TW" altLang="en-US" sz="6400" b="1" dirty="0">
-              <a:solidFill>
-                <a:srgbClr val="000066"/>
-              </a:solidFill>
-              <a:latin typeface="微軟正黑體" pitchFamily="34" charset="-120"/>
-              <a:ea typeface="微軟正黑體" pitchFamily="34" charset="-120"/>
-            </a:endParaRPr>
           </a:p>
         </p:txBody>
       </p:sp>
@@ -10496,20 +10389,20 @@
               <a:t>( </a:t>
             </a:r>
             <a:r>
+              <a:rPr lang="en-US" sz="4267" b="1" dirty="0" smtClean="0">
+                <a:solidFill>
+                  <a:srgbClr val="000066"/>
+                </a:solidFill>
+              </a:rPr>
+              <a:t>4 </a:t>
+            </a:r>
+            <a:r>
               <a:rPr lang="en-US" sz="4267" b="1" dirty="0">
                 <a:solidFill>
                   <a:srgbClr val="000066"/>
                 </a:solidFill>
               </a:rPr>
-              <a:t>4 </a:t>
-            </a:r>
-            <a:r>
-              <a:rPr lang="en-US" sz="4267" b="1" dirty="0">
-                <a:solidFill>
-                  <a:srgbClr val="000066"/>
-                </a:solidFill>
-              </a:rPr>
-              <a:t>)</a:t>
+              <a:t>/ 4 )</a:t>
             </a:r>
             <a:endParaRPr lang="vi-VN" sz="4267" b="1" dirty="0">
               <a:solidFill>
@@ -10917,23 +10810,7 @@
                   <a:srgbClr val="000066"/>
                 </a:solidFill>
               </a:rPr>
-              <a:t>( </a:t>
-            </a:r>
-            <a:r>
-              <a:rPr lang="en-US" sz="4267" b="1" dirty="0">
-                <a:solidFill>
-                  <a:srgbClr val="000066"/>
-                </a:solidFill>
-              </a:rPr>
-              <a:t>4 </a:t>
-            </a:r>
-            <a:r>
-              <a:rPr lang="en-US" sz="4267" b="1" dirty="0">
-                <a:solidFill>
-                  <a:srgbClr val="000066"/>
-                </a:solidFill>
-              </a:rPr>
-              <a:t>)</a:t>
+              <a:t>( 4 / 4 )</a:t>
             </a:r>
             <a:endParaRPr lang="vi-VN" sz="4267" b="1" dirty="0">
               <a:solidFill>
@@ -11363,23 +11240,7 @@
                   <a:srgbClr val="000066"/>
                 </a:solidFill>
               </a:rPr>
-              <a:t>( </a:t>
-            </a:r>
-            <a:r>
-              <a:rPr lang="en-US" sz="4267" b="1" dirty="0">
-                <a:solidFill>
-                  <a:srgbClr val="000066"/>
-                </a:solidFill>
-              </a:rPr>
-              <a:t>4 </a:t>
-            </a:r>
-            <a:r>
-              <a:rPr lang="en-US" sz="4267" b="1" dirty="0">
-                <a:solidFill>
-                  <a:srgbClr val="000066"/>
-                </a:solidFill>
-              </a:rPr>
-              <a:t>)</a:t>
+              <a:t>( 4 / 4 )</a:t>
             </a:r>
             <a:endParaRPr lang="vi-VN" sz="4267" b="1" dirty="0">
               <a:solidFill>
@@ -11454,13 +11315,6 @@
               </a:rPr>
               <a:t>我以死對世界</a:t>
             </a:r>
-            <a:endParaRPr lang="zh-TW" altLang="en-US" sz="6400" b="1" dirty="0">
-              <a:solidFill>
-                <a:srgbClr val="000066"/>
-              </a:solidFill>
-              <a:latin typeface="微軟正黑體" pitchFamily="34" charset="-120"/>
-              <a:ea typeface="微軟正黑體" pitchFamily="34" charset="-120"/>
-            </a:endParaRPr>
           </a:p>
         </p:txBody>
       </p:sp>
@@ -11787,23 +11641,7 @@
                   <a:srgbClr val="000066"/>
                 </a:solidFill>
               </a:rPr>
-              <a:t>( </a:t>
-            </a:r>
-            <a:r>
-              <a:rPr lang="en-US" sz="4267" b="1" dirty="0">
-                <a:solidFill>
-                  <a:srgbClr val="000066"/>
-                </a:solidFill>
-              </a:rPr>
-              <a:t>4 </a:t>
-            </a:r>
-            <a:r>
-              <a:rPr lang="en-US" sz="4267" b="1" dirty="0">
-                <a:solidFill>
-                  <a:srgbClr val="000066"/>
-                </a:solidFill>
-              </a:rPr>
-              <a:t>)</a:t>
+              <a:t>( 4 / 4 )</a:t>
             </a:r>
             <a:endParaRPr lang="vi-VN" sz="4267" b="1" dirty="0">
               <a:solidFill>
@@ -12211,7 +12049,7 @@
                   <a:srgbClr val="000066"/>
                 </a:solidFill>
               </a:rPr>
-              <a:t>( 1 )</a:t>
+              <a:t>( 1 / 4 )</a:t>
             </a:r>
             <a:endParaRPr lang="vi-VN" sz="4267" b="1" dirty="0">
               <a:solidFill>
@@ -13382,13 +13220,6 @@
               </a:rPr>
               <a:t>惟靠耶穌寶血</a:t>
             </a:r>
-            <a:endParaRPr lang="zh-TW" altLang="en-US" sz="6400" b="1" dirty="0">
-              <a:solidFill>
-                <a:srgbClr val="000066"/>
-              </a:solidFill>
-              <a:latin typeface="微軟正黑體" pitchFamily="34" charset="-120"/>
-              <a:ea typeface="微軟正黑體" pitchFamily="34" charset="-120"/>
-            </a:endParaRPr>
           </a:p>
         </p:txBody>
       </p:sp>
@@ -14033,14 +13864,6 @@
               </a:rPr>
               <a:t> </a:t>
             </a:r>
-            <a:endParaRPr lang="en-US" sz="4400" b="1" dirty="0">
-              <a:solidFill>
-                <a:srgbClr val="660033"/>
-              </a:solidFill>
-              <a:latin typeface="Calibri" panose="020F0502020204030204" pitchFamily="34" charset="0"/>
-              <a:ea typeface="微軟正黑體" pitchFamily="34" charset="-120"/>
-              <a:cs typeface="Calibri" panose="020F0502020204030204" pitchFamily="34" charset="0"/>
-            </a:endParaRPr>
           </a:p>
         </p:txBody>
       </p:sp>
@@ -14073,7 +13896,7 @@
                   <a:srgbClr val="000066"/>
                 </a:solidFill>
               </a:rPr>
-              <a:t>( 1 )</a:t>
+              <a:t>( 1 / 4 )</a:t>
             </a:r>
             <a:endParaRPr lang="vi-VN" sz="4267" b="1" dirty="0">
               <a:solidFill>
@@ -14481,7 +14304,7 @@
                   <a:srgbClr val="000066"/>
                 </a:solidFill>
               </a:rPr>
-              <a:t>( 1 )</a:t>
+              <a:t>( 1 / 4 )</a:t>
             </a:r>
             <a:endParaRPr lang="vi-VN" sz="4267" b="1" dirty="0">
               <a:solidFill>
@@ -15652,13 +15475,6 @@
               </a:rPr>
               <a:t>惟靠耶穌寶血</a:t>
             </a:r>
-            <a:endParaRPr lang="zh-TW" altLang="en-US" sz="6400" b="1" dirty="0">
-              <a:solidFill>
-                <a:srgbClr val="000066"/>
-              </a:solidFill>
-              <a:latin typeface="微軟正黑體" pitchFamily="34" charset="-120"/>
-              <a:ea typeface="微軟正黑體" pitchFamily="34" charset="-120"/>
-            </a:endParaRPr>
           </a:p>
         </p:txBody>
       </p:sp>
